--- a/python-data/slides/numpy.pptx
+++ b/python-data/slides/numpy.pptx
@@ -5,7 +5,7 @@
     <p:sldMasterId id="2147483660" r:id="rId1"/>
   </p:sldMasterIdLst>
   <p:notesMasterIdLst>
-    <p:notesMasterId r:id="rId35"/>
+    <p:notesMasterId r:id="rId36"/>
   </p:notesMasterIdLst>
   <p:sldIdLst>
     <p:sldId id="332" r:id="rId2"/>
@@ -38,9 +38,10 @@
     <p:sldId id="324" r:id="rId29"/>
     <p:sldId id="317" r:id="rId30"/>
     <p:sldId id="318" r:id="rId31"/>
-    <p:sldId id="330" r:id="rId32"/>
-    <p:sldId id="329" r:id="rId33"/>
-    <p:sldId id="290" r:id="rId34"/>
+    <p:sldId id="334" r:id="rId32"/>
+    <p:sldId id="330" r:id="rId33"/>
+    <p:sldId id="329" r:id="rId34"/>
+    <p:sldId id="290" r:id="rId35"/>
   </p:sldIdLst>
   <p:sldSz cx="9144000" cy="6858000" type="screen4x3"/>
   <p:notesSz cx="6858000" cy="9144000"/>
@@ -288,7 +289,7 @@
               <a:pPr>
                 <a:defRPr/>
               </a:pPr>
-              <a:t>19/11/2021</a:t>
+              <a:t>16/02/2023</a:t>
             </a:fld>
             <a:endParaRPr lang="en-GB" dirty="0"/>
           </a:p>
@@ -2100,7 +2101,7 @@
       </p:grpSpPr>
       <p:sp>
         <p:nvSpPr>
-          <p:cNvPr id="73730" name="Notes Placeholder"/>
+          <p:cNvPr id="71682" name="Notes Placeholder"/>
           <p:cNvSpPr>
             <a:spLocks noGrp="1"/>
           </p:cNvSpPr>
@@ -2148,6 +2149,11 @@
         </p:txBody>
       </p:sp>
     </p:spTree>
+    <p:extLst>
+      <p:ext uri="{BB962C8B-B14F-4D97-AF65-F5344CB8AC3E}">
+        <p14:creationId xmlns:p14="http://schemas.microsoft.com/office/powerpoint/2010/main" val="2889375838"/>
+      </p:ext>
+    </p:extLst>
   </p:cSld>
   <p:clrMapOvr>
     <a:masterClrMapping/>
@@ -2174,7 +2180,7 @@
       </p:grpSpPr>
       <p:sp>
         <p:nvSpPr>
-          <p:cNvPr id="75778" name="Notes Placeholder"/>
+          <p:cNvPr id="73730" name="Notes Placeholder"/>
           <p:cNvSpPr>
             <a:spLocks noGrp="1"/>
           </p:cNvSpPr>
@@ -2304,6 +2310,80 @@
 </file>
 
 <file path=ppt/notesSlides/notesSlide30.xml><?xml version="1.0" encoding="utf-8"?>
+<p:notes xmlns:a="http://schemas.openxmlformats.org/drawingml/2006/main" xmlns:r="http://schemas.openxmlformats.org/officeDocument/2006/relationships" xmlns:p="http://schemas.openxmlformats.org/presentationml/2006/main">
+  <p:cSld>
+    <p:spTree>
+      <p:nvGrpSpPr>
+        <p:cNvPr id="1" name=""/>
+        <p:cNvGrpSpPr/>
+        <p:nvPr/>
+      </p:nvGrpSpPr>
+      <p:grpSpPr>
+        <a:xfrm>
+          <a:off x="0" y="0"/>
+          <a:ext cx="0" cy="0"/>
+          <a:chOff x="0" y="0"/>
+          <a:chExt cx="0" cy="0"/>
+        </a:xfrm>
+      </p:grpSpPr>
+      <p:sp>
+        <p:nvSpPr>
+          <p:cNvPr id="75778" name="Notes Placeholder"/>
+          <p:cNvSpPr>
+            <a:spLocks noGrp="1"/>
+          </p:cNvSpPr>
+          <p:nvPr>
+            <p:ph type="body" idx="1"/>
+          </p:nvPr>
+        </p:nvSpPr>
+        <p:spPr bwMode="auto">
+          <a:noFill/>
+          <a:extLst>
+            <a:ext uri="{909E8E84-426E-40DD-AFC4-6F175D3DCCD1}">
+              <a14:hiddenFill xmlns:a14="http://schemas.microsoft.com/office/drawing/2010/main">
+                <a:solidFill>
+                  <a:srgbClr val="FFFFFF"/>
+                </a:solidFill>
+              </a14:hiddenFill>
+            </a:ext>
+            <a:ext uri="{91240B29-F687-4F45-9708-019B960494DF}">
+              <a14:hiddenLine xmlns:a14="http://schemas.microsoft.com/office/drawing/2010/main" w="9525">
+                <a:solidFill>
+                  <a:srgbClr val="000000"/>
+                </a:solidFill>
+                <a:miter lim="800000"/>
+                <a:headEnd/>
+                <a:tailEnd/>
+              </a14:hiddenLine>
+            </a:ext>
+          </a:extLst>
+        </p:spPr>
+        <p:txBody>
+          <a:bodyPr wrap="square" numCol="1" anchor="t" anchorCtr="0" compatLnSpc="1">
+            <a:prstTxWarp prst="textNoShape">
+              <a:avLst/>
+            </a:prstTxWarp>
+          </a:bodyPr>
+          <a:lstStyle/>
+          <a:p>
+            <a:pPr eaLnBrk="1" hangingPunct="1">
+              <a:spcBef>
+                <a:spcPct val="0"/>
+              </a:spcBef>
+            </a:pPr>
+            <a:endParaRPr lang="en-US" altLang="en-US"/>
+          </a:p>
+        </p:txBody>
+      </p:sp>
+    </p:spTree>
+  </p:cSld>
+  <p:clrMapOvr>
+    <a:masterClrMapping/>
+  </p:clrMapOvr>
+</p:notes>
+</file>
+
+<file path=ppt/notesSlides/notesSlide31.xml><?xml version="1.0" encoding="utf-8"?>
 <p:notes xmlns:a="http://schemas.openxmlformats.org/drawingml/2006/main" xmlns:r="http://schemas.openxmlformats.org/officeDocument/2006/relationships" xmlns:p="http://schemas.openxmlformats.org/presentationml/2006/main">
   <p:cSld>
     <p:spTree>
@@ -3827,7 +3907,7 @@
               <a:pPr>
                 <a:defRPr/>
               </a:pPr>
-              <a:t>19/11/2021</a:t>
+              <a:t>16/02/2023</a:t>
             </a:fld>
             <a:endParaRPr lang="en-GB" dirty="0"/>
           </a:p>
@@ -5078,13 +5158,6 @@
   <p:clrMapOvr>
     <a:masterClrMapping/>
   </p:clrMapOvr>
-  <p:timing>
-    <p:tnLst>
-      <p:par>
-        <p:cTn id="1" dur="indefinite" restart="never" nodeType="tmRoot"/>
-      </p:par>
-    </p:tnLst>
-  </p:timing>
 </p:sld>
 </file>
 
@@ -5649,12 +5722,8 @@
           <a:lstStyle/>
           <a:p>
             <a:r>
-              <a:rPr lang="en-US" altLang="en-US" b="1" dirty="0" smtClean="0"/>
-              <a:t>Multi-dimensional array </a:t>
-            </a:r>
-            <a:r>
               <a:rPr lang="en-US" altLang="en-US" b="1" dirty="0"/>
-              <a:t>indexing</a:t>
+              <a:t>Multi-dimensional array indexing</a:t>
             </a:r>
           </a:p>
         </p:txBody>
@@ -5687,17 +5756,13 @@
             </a:pPr>
             <a:r>
               <a:rPr lang="en-US" altLang="en-US" sz="3200" dirty="0"/>
-              <a:t>For multi-dimensional arrays, indexing between different dimensions is separated by </a:t>
-            </a:r>
-            <a:r>
-              <a:rPr lang="en-US" altLang="en-US" sz="3200" dirty="0" smtClean="0"/>
-              <a:t>commas</a:t>
+              <a:t>For multi-dimensional arrays, indexing between different dimensions is separated by commas</a:t>
             </a:r>
             <a:br>
-              <a:rPr lang="en-US" altLang="en-US" sz="3200" dirty="0" smtClean="0"/>
+              <a:rPr lang="en-US" altLang="en-US" sz="3200" dirty="0"/>
             </a:br>
             <a:r>
-              <a:rPr lang="en-US" altLang="en-US" sz="3200" dirty="0" smtClean="0"/>
+              <a:rPr lang="en-US" altLang="en-US" sz="3200" dirty="0"/>
               <a:t>(fastest-varying dimension is last).</a:t>
             </a:r>
           </a:p>
@@ -5707,20 +5772,16 @@
               <a:buNone/>
             </a:pPr>
             <a:r>
-              <a:rPr lang="en-US" altLang="en-US" sz="3200" dirty="0" smtClean="0"/>
-              <a:t>e.g.   </a:t>
-            </a:r>
-            <a:r>
-              <a:rPr lang="en-US" altLang="en-US" sz="3200" dirty="0" smtClean="0"/>
-              <a:t>a[4, 2]      </a:t>
-            </a:r>
-            <a:r>
-              <a:rPr lang="en-US" altLang="en-US" sz="3200" dirty="0" smtClean="0">
+              <a:rPr lang="en-US" altLang="en-US" sz="3200" dirty="0"/>
+              <a:t>e.g.   a[4, 2]      </a:t>
+            </a:r>
+            <a:r>
+              <a:rPr lang="en-US" altLang="en-US" sz="3200" dirty="0">
                 <a:sym typeface="Wingdings" panose="05000000000000000000" pitchFamily="2" charset="2"/>
               </a:rPr>
               <a:t> [row, col]</a:t>
             </a:r>
-            <a:endParaRPr lang="en-US" altLang="en-US" sz="3200" dirty="0" smtClean="0"/>
+            <a:endParaRPr lang="en-US" altLang="en-US" sz="3200" dirty="0"/>
           </a:p>
           <a:p>
             <a:pPr marL="230188" indent="0">
@@ -5739,16 +5800,8 @@
               <a:buNone/>
             </a:pPr>
             <a:r>
-              <a:rPr lang="en-US" altLang="en-US" sz="3200" dirty="0" smtClean="0"/>
-              <a:t>Slicing </a:t>
-            </a:r>
-            <a:r>
               <a:rPr lang="en-US" altLang="en-US" sz="3200" dirty="0"/>
-              <a:t>rules also work as applied for each </a:t>
-            </a:r>
-            <a:r>
-              <a:rPr lang="en-US" altLang="en-US" sz="3200" dirty="0" smtClean="0"/>
-              <a:t>dimension.</a:t>
+              <a:t>Slicing rules also work as applied for each dimension.</a:t>
             </a:r>
           </a:p>
           <a:p>
@@ -5759,26 +5812,11 @@
               <a:buNone/>
             </a:pPr>
             <a:r>
-              <a:rPr lang="en-US" altLang="en-US" sz="3200" dirty="0" smtClean="0">
-                <a:cs typeface="Calibri" panose="020F0502020204030204" pitchFamily="34" charset="0"/>
-              </a:rPr>
-              <a:t>e.g. </a:t>
-            </a:r>
-            <a:r>
               <a:rPr lang="en-US" altLang="en-US" sz="3200" dirty="0">
                 <a:cs typeface="Calibri" panose="020F0502020204030204" pitchFamily="34" charset="0"/>
               </a:rPr>
-              <a:t> </a:t>
-            </a:r>
-            <a:r>
-              <a:rPr lang="en-US" altLang="en-US" sz="3200" dirty="0" smtClean="0">
-                <a:cs typeface="Calibri" panose="020F0502020204030204" pitchFamily="34" charset="0"/>
-              </a:rPr>
-              <a:t> a[1, :, 4:7]</a:t>
-            </a:r>
-            <a:endParaRPr lang="en-US" altLang="en-US" sz="3200" dirty="0">
-              <a:cs typeface="Calibri" panose="020F0502020204030204" pitchFamily="34" charset="0"/>
-            </a:endParaRPr>
+              <a:t>e.g.   a[1, :, 4:7]</a:t>
+            </a:r>
           </a:p>
         </p:txBody>
       </p:sp>
@@ -5790,13 +5828,6 @@
   <p:transition>
     <p:cut/>
   </p:transition>
-  <p:timing>
-    <p:tnLst>
-      <p:par>
-        <p:cTn id="1" dur="indefinite" restart="never" nodeType="tmRoot"/>
-      </p:par>
-    </p:tnLst>
-  </p:timing>
 </p:sld>
 </file>
 
@@ -6167,61 +6198,33 @@
                 <a:latin typeface="Courier New" panose="02070309020205020404" pitchFamily="49" charset="0"/>
                 <a:cs typeface="Courier New" panose="02070309020205020404" pitchFamily="49" charset="0"/>
               </a:rPr>
-              <a:t>([[2, 3.2, 5.5, -6.4, -2.2, 2.4</a:t>
-            </a:r>
-            <a:r>
-              <a:rPr lang="en-GB" sz="2400" dirty="0" smtClean="0">
-                <a:latin typeface="Courier New" panose="02070309020205020404" pitchFamily="49" charset="0"/>
-                <a:cs typeface="Courier New" panose="02070309020205020404" pitchFamily="49" charset="0"/>
-              </a:rPr>
-              <a:t>],</a:t>
+              <a:t>([[2, 3.2, 5.5, -6.4, -2.2, 2.4],</a:t>
             </a:r>
             <a:br>
-              <a:rPr lang="en-GB" sz="2400" dirty="0" smtClean="0">
+              <a:rPr lang="en-GB" sz="2400" dirty="0">
                 <a:latin typeface="Courier New" panose="02070309020205020404" pitchFamily="49" charset="0"/>
                 <a:cs typeface="Courier New" panose="02070309020205020404" pitchFamily="49" charset="0"/>
               </a:rPr>
             </a:br>
             <a:r>
-              <a:rPr lang="en-GB" sz="2400" dirty="0" smtClean="0">
-                <a:latin typeface="Courier New" panose="02070309020205020404" pitchFamily="49" charset="0"/>
-                <a:cs typeface="Courier New" panose="02070309020205020404" pitchFamily="49" charset="0"/>
-              </a:rPr>
-              <a:t>              [</a:t>
-            </a:r>
-            <a:r>
               <a:rPr lang="en-GB" sz="2400" dirty="0">
                 <a:latin typeface="Courier New" panose="02070309020205020404" pitchFamily="49" charset="0"/>
                 <a:cs typeface="Courier New" panose="02070309020205020404" pitchFamily="49" charset="0"/>
               </a:rPr>
-              <a:t>1, 22, 4, 0.1, 5.3, -9</a:t>
-            </a:r>
-            <a:r>
-              <a:rPr lang="en-GB" sz="2400" dirty="0" smtClean="0">
-                <a:latin typeface="Courier New" panose="02070309020205020404" pitchFamily="49" charset="0"/>
-                <a:cs typeface="Courier New" panose="02070309020205020404" pitchFamily="49" charset="0"/>
-              </a:rPr>
-              <a:t>],</a:t>
+              <a:t>              [1, 22, 4, 0.1, 5.3, -9],</a:t>
             </a:r>
             <a:br>
-              <a:rPr lang="en-GB" sz="2400" dirty="0" smtClean="0">
+              <a:rPr lang="en-GB" sz="2400" dirty="0">
                 <a:latin typeface="Courier New" panose="02070309020205020404" pitchFamily="49" charset="0"/>
                 <a:cs typeface="Courier New" panose="02070309020205020404" pitchFamily="49" charset="0"/>
               </a:rPr>
             </a:br>
             <a:r>
-              <a:rPr lang="en-GB" sz="2400" dirty="0" smtClean="0">
-                <a:latin typeface="Courier New" panose="02070309020205020404" pitchFamily="49" charset="0"/>
-                <a:cs typeface="Courier New" panose="02070309020205020404" pitchFamily="49" charset="0"/>
-              </a:rPr>
-              <a:t>              [</a:t>
-            </a:r>
-            <a:r>
               <a:rPr lang="en-GB" sz="2400" dirty="0">
                 <a:latin typeface="Courier New" panose="02070309020205020404" pitchFamily="49" charset="0"/>
                 <a:cs typeface="Courier New" panose="02070309020205020404" pitchFamily="49" charset="0"/>
               </a:rPr>
-              <a:t>3, 1, 2.1, 21, 1.1, -2]])</a:t>
+              <a:t>              [3, 1, 2.1, 21, 1.1, -2]])</a:t>
             </a:r>
           </a:p>
         </p:txBody>
@@ -6472,41 +6475,15 @@
                 <a:cs typeface="Courier New" panose="02070309020205020404" pitchFamily="49" charset="0"/>
                 <a:sym typeface="Wingdings" panose="05000000000000000000" pitchFamily="2" charset="2"/>
               </a:rPr>
-              <a:t>a[1, :]     </a:t>
-            </a:r>
-            <a:r>
-              <a:rPr lang="en-GB" altLang="en-US" dirty="0" smtClean="0">
-                <a:latin typeface="Courier New" panose="02070309020205020404" pitchFamily="49" charset="0"/>
-                <a:cs typeface="Courier New" panose="02070309020205020404" pitchFamily="49" charset="0"/>
-                <a:sym typeface="Wingdings" panose="05000000000000000000" pitchFamily="2" charset="2"/>
-              </a:rPr>
-              <a:t>array(</a:t>
-            </a:r>
-            <a:r>
-              <a:rPr lang="en-GB" altLang="en-US" dirty="0" smtClean="0">
-                <a:latin typeface="Courier New" panose="02070309020205020404" pitchFamily="49" charset="0"/>
-                <a:cs typeface="Courier New" panose="02070309020205020404" pitchFamily="49" charset="0"/>
-              </a:rPr>
-              <a:t>[1, 22, 4, 0.1, 5.3, </a:t>
+              <a:t>a[1, :]     array(</a:t>
             </a:r>
             <a:r>
               <a:rPr lang="en-GB" altLang="en-US" dirty="0">
                 <a:latin typeface="Courier New" panose="02070309020205020404" pitchFamily="49" charset="0"/>
                 <a:cs typeface="Courier New" panose="02070309020205020404" pitchFamily="49" charset="0"/>
               </a:rPr>
-              <a:t>-9</a:t>
-            </a:r>
-            <a:r>
-              <a:rPr lang="en-GB" altLang="en-US" dirty="0" smtClean="0">
-                <a:latin typeface="Courier New" panose="02070309020205020404" pitchFamily="49" charset="0"/>
-                <a:cs typeface="Courier New" panose="02070309020205020404" pitchFamily="49" charset="0"/>
-              </a:rPr>
-              <a:t>])</a:t>
-            </a:r>
-            <a:endParaRPr lang="en-GB" altLang="en-US" dirty="0">
-              <a:latin typeface="Courier New" panose="02070309020205020404" pitchFamily="49" charset="0"/>
-              <a:cs typeface="Courier New" panose="02070309020205020404" pitchFamily="49" charset="0"/>
-            </a:endParaRPr>
+              <a:t>[1, 22, 4, 0.1, 5.3, -9])</a:t>
+            </a:r>
           </a:p>
           <a:p>
             <a:pPr eaLnBrk="1" fontAlgn="t" hangingPunct="1">
@@ -6532,27 +6509,15 @@
                 <a:cs typeface="Courier New" panose="02070309020205020404" pitchFamily="49" charset="0"/>
                 <a:sym typeface="Wingdings" panose="05000000000000000000" pitchFamily="2" charset="2"/>
               </a:rPr>
-              <a:t>  </a:t>
-            </a:r>
-            <a:r>
-              <a:rPr lang="en-GB" altLang="en-US" dirty="0" smtClean="0">
-                <a:latin typeface="Courier New" panose="02070309020205020404" pitchFamily="49" charset="0"/>
-                <a:cs typeface="Courier New" panose="02070309020205020404" pitchFamily="49" charset="0"/>
-                <a:sym typeface="Wingdings" panose="05000000000000000000" pitchFamily="2" charset="2"/>
-              </a:rPr>
-              <a:t>array([</a:t>
-            </a:r>
-            <a:r>
-              <a:rPr lang="en-GB" altLang="en-US" dirty="0" smtClean="0">
+              <a:t>  array([</a:t>
+            </a:r>
+            <a:r>
+              <a:rPr lang="en-GB" altLang="en-US" dirty="0">
                 <a:latin typeface="Courier New" panose="02070309020205020404" pitchFamily="49" charset="0"/>
                 <a:cs typeface="Courier New" panose="02070309020205020404" pitchFamily="49" charset="0"/>
               </a:rPr>
               <a:t>22, 4, 0.1])</a:t>
             </a:r>
-            <a:endParaRPr lang="en-GB" altLang="en-US" dirty="0">
-              <a:latin typeface="Courier New" panose="02070309020205020404" pitchFamily="49" charset="0"/>
-              <a:cs typeface="Courier New" panose="02070309020205020404" pitchFamily="49" charset="0"/>
-            </a:endParaRPr>
           </a:p>
         </p:txBody>
       </p:sp>
@@ -7852,13 +7817,6 @@
   <p:transition>
     <p:cut/>
   </p:transition>
-  <p:timing>
-    <p:tnLst>
-      <p:par>
-        <p:cTn id="1" dur="indefinite" restart="never" nodeType="tmRoot"/>
-      </p:par>
-    </p:tnLst>
-  </p:timing>
 </p:sld>
 </file>
 
@@ -8311,14 +8269,6 @@
                 <a:sym typeface="Wingdings" panose="05000000000000000000" pitchFamily="2" charset="2"/>
               </a:rPr>
             </a:br>
-            <a:r>
-              <a:rPr lang="en-US" altLang="en-US" sz="1400" dirty="0">
-                <a:latin typeface="Courier New" panose="02070309020205020404" pitchFamily="49" charset="0"/>
-                <a:cs typeface="Courier New" panose="02070309020205020404" pitchFamily="49" charset="0"/>
-                <a:sym typeface="Wingdings" panose="05000000000000000000" pitchFamily="2" charset="2"/>
-              </a:rPr>
-              <a:t/>
-            </a:r>
             <a:br>
               <a:rPr lang="en-US" altLang="en-US" sz="1400" dirty="0">
                 <a:latin typeface="Courier New" panose="02070309020205020404" pitchFamily="49" charset="0"/>
@@ -8382,13 +8332,6 @@
               </a:rPr>
               <a:t>interrogate data type</a:t>
             </a:r>
-            <a:r>
-              <a:rPr lang="en-US" altLang="en-US" i="1" dirty="0">
-                <a:cs typeface="Courier New" panose="02070309020205020404" pitchFamily="49" charset="0"/>
-                <a:sym typeface="Wingdings" panose="05000000000000000000" pitchFamily="2" charset="2"/>
-              </a:rPr>
-              <a:t/>
-            </a:r>
             <a:br>
               <a:rPr lang="en-US" altLang="en-US" i="1" dirty="0">
                 <a:cs typeface="Courier New" panose="02070309020205020404" pitchFamily="49" charset="0"/>
@@ -8439,13 +8382,6 @@
                 <a:sym typeface="Wingdings" panose="05000000000000000000" pitchFamily="2" charset="2"/>
               </a:rPr>
             </a:br>
-            <a:r>
-              <a:rPr lang="en-US" altLang="en-US" i="1" dirty="0">
-                <a:cs typeface="Courier New" panose="02070309020205020404" pitchFamily="49" charset="0"/>
-                <a:sym typeface="Wingdings" panose="05000000000000000000" pitchFamily="2" charset="2"/>
-              </a:rPr>
-              <a:t/>
-            </a:r>
             <a:br>
               <a:rPr lang="en-US" altLang="en-US" i="1" dirty="0">
                 <a:cs typeface="Courier New" panose="02070309020205020404" pitchFamily="49" charset="0"/>
@@ -8615,13 +8551,6 @@
   <p:transition>
     <p:cut/>
   </p:transition>
-  <p:timing>
-    <p:tnLst>
-      <p:par>
-        <p:cTn id="1" dur="indefinite" restart="never" nodeType="tmRoot"/>
-      </p:par>
-    </p:tnLst>
-  </p:timing>
 </p:sld>
 </file>
 
@@ -9878,13 +9807,6 @@
   <p:clrMapOvr>
     <a:masterClrMapping/>
   </p:clrMapOvr>
-  <p:timing>
-    <p:tnLst>
-      <p:par>
-        <p:cTn id="1" dur="indefinite" restart="never" nodeType="tmRoot"/>
-      </p:par>
-    </p:tnLst>
-  </p:timing>
 </p:sld>
 </file>
 
@@ -10000,14 +9922,7 @@
                 <a:latin typeface="Courier New" panose="02070309020205020404" pitchFamily="49" charset="0"/>
                 <a:cs typeface="Courier New" panose="02070309020205020404" pitchFamily="49" charset="0"/>
               </a:rPr>
-              <a:t> </a:t>
-            </a:r>
-            <a:r>
-              <a:rPr lang="en-GB" sz="2000" spc="-119" dirty="0" smtClean="0">
-                <a:latin typeface="Courier New" panose="02070309020205020404" pitchFamily="49" charset="0"/>
-                <a:cs typeface="Courier New" panose="02070309020205020404" pitchFamily="49" charset="0"/>
-              </a:rPr>
-              <a:t>np</a:t>
+              <a:t> np</a:t>
             </a:r>
           </a:p>
           <a:p>
@@ -10054,14 +9969,7 @@
                 <a:latin typeface="Courier New" panose="02070309020205020404" pitchFamily="49" charset="0"/>
                 <a:cs typeface="Courier New" panose="02070309020205020404" pitchFamily="49" charset="0"/>
               </a:rPr>
-              <a:t>              [3, 1, 2.1, 21</a:t>
-            </a:r>
-            <a:r>
-              <a:rPr lang="en-GB" sz="2000" dirty="0" smtClean="0">
-                <a:latin typeface="Courier New" panose="02070309020205020404" pitchFamily="49" charset="0"/>
-                <a:cs typeface="Courier New" panose="02070309020205020404" pitchFamily="49" charset="0"/>
-              </a:rPr>
-              <a:t>]])</a:t>
+              <a:t>              [3, 1, 2.1, 21]])</a:t>
             </a:r>
           </a:p>
           <a:p>
@@ -10260,13 +10168,6 @@
   <p:transition>
     <p:cut/>
   </p:transition>
-  <p:timing>
-    <p:tnLst>
-      <p:par>
-        <p:cTn id="1" dur="indefinite" restart="never" nodeType="tmRoot"/>
-      </p:par>
-    </p:tnLst>
-  </p:timing>
 </p:sld>
 </file>
 
@@ -11635,13 +11536,6 @@
   <p:clrMapOvr>
     <a:masterClrMapping/>
   </p:clrMapOvr>
-  <p:timing>
-    <p:tnLst>
-      <p:par>
-        <p:cTn id="1" dur="indefinite" restart="never" nodeType="tmRoot"/>
-      </p:par>
-    </p:tnLst>
-  </p:timing>
 </p:sld>
 </file>
 
@@ -11929,13 +11823,6 @@
   <p:transition>
     <p:cut/>
   </p:transition>
-  <p:timing>
-    <p:tnLst>
-      <p:par>
-        <p:cTn id="1" dur="indefinite" restart="never" nodeType="tmRoot"/>
-      </p:par>
-    </p:tnLst>
-  </p:timing>
 </p:sld>
 </file>
 
@@ -12524,13 +12411,6 @@
   <p:transition>
     <p:cut/>
   </p:transition>
-  <p:timing>
-    <p:tnLst>
-      <p:par>
-        <p:cTn id="1" dur="indefinite" restart="never" nodeType="tmRoot"/>
-      </p:par>
-    </p:tnLst>
-  </p:timing>
 </p:sld>
 </file>
 
@@ -12817,30 +12697,18 @@
               <a:rPr lang="en-US" altLang="en-US" sz="2800" dirty="0">
                 <a:cs typeface="Calibri" panose="020F0502020204030204" pitchFamily="34" charset="0"/>
               </a:rPr>
-              <a:t>function tests any condition and applies operations for true and false </a:t>
-            </a:r>
-            <a:r>
-              <a:rPr lang="en-US" altLang="en-US" sz="2800" dirty="0" smtClean="0">
-                <a:cs typeface="Calibri" panose="020F0502020204030204" pitchFamily="34" charset="0"/>
-              </a:rPr>
-              <a:t>cases, as specified,</a:t>
+              <a:t>function tests any condition and applies operations for true and false cases, as specified,</a:t>
             </a:r>
             <a:br>
-              <a:rPr lang="en-US" altLang="en-US" sz="2800" dirty="0" smtClean="0">
+              <a:rPr lang="en-US" altLang="en-US" sz="2800" dirty="0">
                 <a:cs typeface="Calibri" panose="020F0502020204030204" pitchFamily="34" charset="0"/>
               </a:rPr>
             </a:br>
             <a:r>
-              <a:rPr lang="en-US" altLang="en-US" sz="2800" dirty="0" smtClean="0">
-                <a:cs typeface="Calibri" panose="020F0502020204030204" pitchFamily="34" charset="0"/>
-              </a:rPr>
-              <a:t>on </a:t>
-            </a:r>
-            <a:r>
               <a:rPr lang="en-US" altLang="en-US" sz="2800" dirty="0">
                 <a:cs typeface="Calibri" panose="020F0502020204030204" pitchFamily="34" charset="0"/>
               </a:rPr>
-              <a:t>an element-wise basis.</a:t>
+              <a:t>on an element-wise basis.</a:t>
             </a:r>
           </a:p>
           <a:p>
@@ -13190,13 +13058,6 @@
   <p:transition>
     <p:cut/>
   </p:transition>
-  <p:timing>
-    <p:tnLst>
-      <p:par>
-        <p:cTn id="1" dur="indefinite" restart="never" nodeType="tmRoot"/>
-      </p:par>
-    </p:tnLst>
-  </p:timing>
 </p:sld>
 </file>
 
@@ -13564,13 +13425,6 @@
   <p:transition>
     <p:cut/>
   </p:transition>
-  <p:timing>
-    <p:tnLst>
-      <p:par>
-        <p:cTn id="1" dur="indefinite" restart="never" nodeType="tmRoot"/>
-      </p:par>
-    </p:tnLst>
-  </p:timing>
 </p:sld>
 </file>
 
@@ -13975,13 +13829,6 @@
   <p:transition>
     <p:cut/>
   </p:transition>
-  <p:timing>
-    <p:tnLst>
-      <p:par>
-        <p:cTn id="1" dur="indefinite" restart="never" nodeType="tmRoot"/>
-      </p:par>
-    </p:tnLst>
-  </p:timing>
 </p:sld>
 </file>
 
@@ -14045,13 +13892,6 @@
   <p:transition>
     <p:cut/>
   </p:transition>
-  <p:timing>
-    <p:tnLst>
-      <p:par>
-        <p:cTn id="1" dur="indefinite" restart="never" nodeType="tmRoot"/>
-      </p:par>
-    </p:tnLst>
-  </p:timing>
 </p:sld>
 </file>
 
@@ -14437,13 +14277,6 @@
   <p:transition>
     <p:cut/>
   </p:transition>
-  <p:timing>
-    <p:tnLst>
-      <p:par>
-        <p:cTn id="1" dur="indefinite" restart="never" nodeType="tmRoot"/>
-      </p:par>
-    </p:tnLst>
-  </p:timing>
 </p:sld>
 </file>
 
@@ -14535,13 +14368,6 @@
   <p:transition>
     <p:cut/>
   </p:transition>
-  <p:timing>
-    <p:tnLst>
-      <p:par>
-        <p:cTn id="1" dur="indefinite" restart="never" nodeType="tmRoot"/>
-      </p:par>
-    </p:tnLst>
-  </p:timing>
 </p:sld>
 </file>
 
@@ -14808,12 +14634,6 @@
                 <a:cs typeface="Calibri" panose="020F0502020204030204" pitchFamily="34" charset="0"/>
               </a:rPr>
             </a:br>
-            <a:r>
-              <a:rPr lang="en-US" altLang="en-US" sz="2800" dirty="0">
-                <a:cs typeface="Calibri" panose="020F0502020204030204" pitchFamily="34" charset="0"/>
-              </a:rPr>
-              <a:t/>
-            </a:r>
             <a:br>
               <a:rPr lang="en-US" altLang="en-US" sz="2800" dirty="0">
                 <a:cs typeface="Calibri" panose="020F0502020204030204" pitchFamily="34" charset="0"/>
@@ -14823,19 +14643,7 @@
               <a:rPr lang="en-US" altLang="en-US" sz="2800" dirty="0">
                 <a:cs typeface="Calibri" panose="020F0502020204030204" pitchFamily="34" charset="0"/>
               </a:rPr>
-              <a:t>In these examples, assume </a:t>
-            </a:r>
-            <a:r>
-              <a:rPr lang="en-US" altLang="en-US" sz="2800" dirty="0" smtClean="0">
-                <a:cs typeface="Calibri" panose="020F0502020204030204" pitchFamily="34" charset="0"/>
-              </a:rPr>
-              <a:t>that I </a:t>
-            </a:r>
-            <a:r>
-              <a:rPr lang="en-US" altLang="en-US" sz="2800" dirty="0">
-                <a:cs typeface="Calibri" panose="020F0502020204030204" pitchFamily="34" charset="0"/>
-              </a:rPr>
-              <a:t>import that submodule with:</a:t>
+              <a:t>In these examples, assume that I import that submodule with:</a:t>
             </a:r>
           </a:p>
           <a:p>
@@ -15210,13 +15018,6 @@
   <p:transition>
     <p:cut/>
   </p:transition>
-  <p:timing>
-    <p:tnLst>
-      <p:par>
-        <p:cTn id="1" dur="indefinite" restart="never" nodeType="tmRoot"/>
-      </p:par>
-    </p:tnLst>
-  </p:timing>
 </p:sld>
 </file>
 
@@ -16270,13 +16071,6 @@
   <p:transition>
     <p:cut/>
   </p:transition>
-  <p:timing>
-    <p:tnLst>
-      <p:par>
-        <p:cTn id="1" dur="indefinite" restart="never" nodeType="tmRoot"/>
-      </p:par>
-    </p:tnLst>
-  </p:timing>
 </p:sld>
 </file>
 
@@ -17298,13 +17092,428 @@
       </p:sp>
       <p:sp>
         <p:nvSpPr>
+          <p:cNvPr id="11" name="object 3">
+            <a:extLst>
+              <a:ext uri="{FF2B5EF4-FFF2-40B4-BE49-F238E27FC236}">
+                <a16:creationId xmlns:a16="http://schemas.microsoft.com/office/drawing/2014/main" id="{FB0B0F6D-E655-4BEC-1C30-457E8808CE20}"/>
+              </a:ext>
+            </a:extLst>
+          </p:cNvPr>
+          <p:cNvSpPr txBox="1">
+            <a:spLocks noChangeArrowheads="1"/>
+          </p:cNvSpPr>
+          <p:nvPr/>
+        </p:nvSpPr>
+        <p:spPr bwMode="auto">
+          <a:xfrm>
+            <a:off x="767402" y="3429000"/>
+            <a:ext cx="7991475" cy="1752600"/>
+          </a:xfrm>
+          <a:prstGeom prst="rect">
+            <a:avLst/>
+          </a:prstGeom>
+          <a:noFill/>
+          <a:ln>
+            <a:noFill/>
+          </a:ln>
+          <a:extLst>
+            <a:ext uri="{909E8E84-426E-40DD-AFC4-6F175D3DCCD1}">
+              <a14:hiddenFill xmlns:a14="http://schemas.microsoft.com/office/drawing/2010/main">
+                <a:solidFill>
+                  <a:srgbClr val="FFFFFF"/>
+                </a:solidFill>
+              </a14:hiddenFill>
+            </a:ext>
+            <a:ext uri="{91240B29-F687-4F45-9708-019B960494DF}">
+              <a14:hiddenLine xmlns:a14="http://schemas.microsoft.com/office/drawing/2010/main" w="9525">
+                <a:solidFill>
+                  <a:srgbClr val="000000"/>
+                </a:solidFill>
+                <a:miter lim="800000"/>
+                <a:headEnd/>
+                <a:tailEnd/>
+              </a14:hiddenLine>
+            </a:ext>
+          </a:extLst>
+        </p:spPr>
+        <p:txBody>
+          <a:bodyPr lIns="0" tIns="0" rIns="0" bIns="0">
+            <a:spAutoFit/>
+          </a:bodyPr>
+          <a:lstStyle>
+            <a:lvl1pPr marL="317500" indent="-293688" eaLnBrk="0" hangingPunct="0">
+              <a:spcBef>
+                <a:spcPct val="20000"/>
+              </a:spcBef>
+              <a:buFont typeface="Arial" charset="0"/>
+              <a:buChar char="•"/>
+              <a:defRPr sz="3200">
+                <a:solidFill>
+                  <a:schemeClr val="tx1"/>
+                </a:solidFill>
+                <a:latin typeface="Calibri" pitchFamily="34" charset="0"/>
+              </a:defRPr>
+            </a:lvl1pPr>
+            <a:lvl2pPr marL="742950" indent="-285750" eaLnBrk="0" hangingPunct="0">
+              <a:spcBef>
+                <a:spcPct val="20000"/>
+              </a:spcBef>
+              <a:buFont typeface="Arial" charset="0"/>
+              <a:buChar char="–"/>
+              <a:defRPr sz="2800">
+                <a:solidFill>
+                  <a:schemeClr val="tx1"/>
+                </a:solidFill>
+                <a:latin typeface="Calibri" pitchFamily="34" charset="0"/>
+              </a:defRPr>
+            </a:lvl2pPr>
+            <a:lvl3pPr marL="1143000" indent="-228600" eaLnBrk="0" hangingPunct="0">
+              <a:spcBef>
+                <a:spcPct val="20000"/>
+              </a:spcBef>
+              <a:buFont typeface="Arial" charset="0"/>
+              <a:buChar char="•"/>
+              <a:defRPr sz="2400">
+                <a:solidFill>
+                  <a:schemeClr val="tx1"/>
+                </a:solidFill>
+                <a:latin typeface="Calibri" pitchFamily="34" charset="0"/>
+              </a:defRPr>
+            </a:lvl3pPr>
+            <a:lvl4pPr marL="1600200" indent="-228600" eaLnBrk="0" hangingPunct="0">
+              <a:spcBef>
+                <a:spcPct val="20000"/>
+              </a:spcBef>
+              <a:buFont typeface="Arial" charset="0"/>
+              <a:buChar char="–"/>
+              <a:defRPr sz="2000">
+                <a:solidFill>
+                  <a:schemeClr val="tx1"/>
+                </a:solidFill>
+                <a:latin typeface="Calibri" pitchFamily="34" charset="0"/>
+              </a:defRPr>
+            </a:lvl4pPr>
+            <a:lvl5pPr marL="2057400" indent="-228600" eaLnBrk="0" hangingPunct="0">
+              <a:spcBef>
+                <a:spcPct val="20000"/>
+              </a:spcBef>
+              <a:buFont typeface="Arial" charset="0"/>
+              <a:buChar char="»"/>
+              <a:defRPr sz="2000">
+                <a:solidFill>
+                  <a:schemeClr val="tx1"/>
+                </a:solidFill>
+                <a:latin typeface="Calibri" pitchFamily="34" charset="0"/>
+              </a:defRPr>
+            </a:lvl5pPr>
+            <a:lvl6pPr marL="2514600" indent="-228600" eaLnBrk="0" fontAlgn="base" hangingPunct="0">
+              <a:spcBef>
+                <a:spcPct val="20000"/>
+              </a:spcBef>
+              <a:spcAft>
+                <a:spcPct val="0"/>
+              </a:spcAft>
+              <a:buFont typeface="Arial" charset="0"/>
+              <a:buChar char="»"/>
+              <a:defRPr sz="2000">
+                <a:solidFill>
+                  <a:schemeClr val="tx1"/>
+                </a:solidFill>
+                <a:latin typeface="Calibri" pitchFamily="34" charset="0"/>
+              </a:defRPr>
+            </a:lvl6pPr>
+            <a:lvl7pPr marL="2971800" indent="-228600" eaLnBrk="0" fontAlgn="base" hangingPunct="0">
+              <a:spcBef>
+                <a:spcPct val="20000"/>
+              </a:spcBef>
+              <a:spcAft>
+                <a:spcPct val="0"/>
+              </a:spcAft>
+              <a:buFont typeface="Arial" charset="0"/>
+              <a:buChar char="»"/>
+              <a:defRPr sz="2000">
+                <a:solidFill>
+                  <a:schemeClr val="tx1"/>
+                </a:solidFill>
+                <a:latin typeface="Calibri" pitchFamily="34" charset="0"/>
+              </a:defRPr>
+            </a:lvl7pPr>
+            <a:lvl8pPr marL="3429000" indent="-228600" eaLnBrk="0" fontAlgn="base" hangingPunct="0">
+              <a:spcBef>
+                <a:spcPct val="20000"/>
+              </a:spcBef>
+              <a:spcAft>
+                <a:spcPct val="0"/>
+              </a:spcAft>
+              <a:buFont typeface="Arial" charset="0"/>
+              <a:buChar char="»"/>
+              <a:defRPr sz="2000">
+                <a:solidFill>
+                  <a:schemeClr val="tx1"/>
+                </a:solidFill>
+                <a:latin typeface="Calibri" pitchFamily="34" charset="0"/>
+              </a:defRPr>
+            </a:lvl8pPr>
+            <a:lvl9pPr marL="3886200" indent="-228600" eaLnBrk="0" fontAlgn="base" hangingPunct="0">
+              <a:spcBef>
+                <a:spcPct val="20000"/>
+              </a:spcBef>
+              <a:spcAft>
+                <a:spcPct val="0"/>
+              </a:spcAft>
+              <a:buFont typeface="Arial" charset="0"/>
+              <a:buChar char="»"/>
+              <a:defRPr sz="2000">
+                <a:solidFill>
+                  <a:schemeClr val="tx1"/>
+                </a:solidFill>
+                <a:latin typeface="Calibri" pitchFamily="34" charset="0"/>
+              </a:defRPr>
+            </a:lvl9pPr>
+          </a:lstStyle>
+          <a:p>
+            <a:pPr eaLnBrk="1" hangingPunct="1">
+              <a:lnSpc>
+                <a:spcPct val="103000"/>
+              </a:lnSpc>
+              <a:spcBef>
+                <a:spcPts val="600"/>
+              </a:spcBef>
+              <a:buFontTx/>
+              <a:buNone/>
+              <a:defRPr/>
+            </a:pPr>
+            <a:r>
+              <a:rPr lang="en-GB" altLang="en-US" sz="2400" b="1" dirty="0">
+                <a:latin typeface="Courier New" panose="02070309020205020404" pitchFamily="49" charset="0"/>
+                <a:cs typeface="Courier New" panose="02070309020205020404" pitchFamily="49" charset="0"/>
+              </a:rPr>
+              <a:t>&gt;&gt;&gt; </a:t>
+            </a:r>
+            <a:r>
+              <a:rPr lang="en-GB" altLang="en-US" sz="2400" dirty="0">
+                <a:latin typeface="Courier New" panose="02070309020205020404" pitchFamily="49" charset="0"/>
+                <a:cs typeface="Courier New" panose="02070309020205020404" pitchFamily="49" charset="0"/>
+              </a:rPr>
+              <a:t>b</a:t>
+            </a:r>
+          </a:p>
+          <a:p>
+            <a:pPr eaLnBrk="1" hangingPunct="1">
+              <a:lnSpc>
+                <a:spcPct val="103000"/>
+              </a:lnSpc>
+              <a:spcBef>
+                <a:spcPts val="600"/>
+              </a:spcBef>
+              <a:buFontTx/>
+              <a:buNone/>
+              <a:defRPr/>
+            </a:pPr>
+            <a:r>
+              <a:rPr lang="en-GB" altLang="en-US" sz="2400" i="1" dirty="0" err="1">
+                <a:solidFill>
+                  <a:srgbClr val="336600"/>
+                </a:solidFill>
+                <a:latin typeface="Courier New" panose="02070309020205020404" pitchFamily="49" charset="0"/>
+                <a:cs typeface="Courier New" panose="02070309020205020404" pitchFamily="49" charset="0"/>
+              </a:rPr>
+              <a:t>masked_array</a:t>
+            </a:r>
+            <a:r>
+              <a:rPr lang="en-GB" altLang="en-US" sz="2400" i="1" dirty="0">
+                <a:solidFill>
+                  <a:srgbClr val="336600"/>
+                </a:solidFill>
+                <a:latin typeface="Courier New" panose="02070309020205020404" pitchFamily="49" charset="0"/>
+                <a:cs typeface="Courier New" panose="02070309020205020404" pitchFamily="49" charset="0"/>
+              </a:rPr>
+              <a:t>(data = [</a:t>
+            </a:r>
+            <a:r>
+              <a:rPr kumimoji="0" lang="en-US" altLang="en-US" sz="2400" b="0" i="1" u="none" strike="noStrike" cap="none" normalizeH="0" baseline="0" dirty="0">
+                <a:ln>
+                  <a:noFill/>
+                </a:ln>
+                <a:solidFill>
+                  <a:srgbClr val="336600"/>
+                </a:solidFill>
+                <a:effectLst/>
+                <a:latin typeface="Courier New" panose="02070309020205020404" pitchFamily="49" charset="0"/>
+                <a:cs typeface="Courier New" panose="02070309020205020404" pitchFamily="49" charset="0"/>
+              </a:rPr>
+              <a:t>1, 2, 3, --, --</a:t>
+            </a:r>
+            <a:r>
+              <a:rPr lang="en-GB" altLang="en-US" sz="2400" i="1" dirty="0">
+                <a:solidFill>
+                  <a:srgbClr val="336600"/>
+                </a:solidFill>
+                <a:latin typeface="Courier New" panose="02070309020205020404" pitchFamily="49" charset="0"/>
+                <a:cs typeface="Courier New" panose="02070309020205020404" pitchFamily="49" charset="0"/>
+              </a:rPr>
+              <a:t>],</a:t>
+            </a:r>
+          </a:p>
+          <a:p>
+            <a:pPr eaLnBrk="1" hangingPunct="1">
+              <a:lnSpc>
+                <a:spcPct val="103000"/>
+              </a:lnSpc>
+              <a:spcBef>
+                <a:spcPts val="600"/>
+              </a:spcBef>
+              <a:buFontTx/>
+              <a:buNone/>
+              <a:defRPr/>
+            </a:pPr>
+            <a:r>
+              <a:rPr lang="en-GB" altLang="en-US" sz="2400" i="1" dirty="0">
+                <a:solidFill>
+                  <a:srgbClr val="336600"/>
+                </a:solidFill>
+                <a:latin typeface="Courier New" panose="02070309020205020404" pitchFamily="49" charset="0"/>
+                <a:cs typeface="Courier New" panose="02070309020205020404" pitchFamily="49" charset="0"/>
+              </a:rPr>
+              <a:t>mask = [</a:t>
+            </a:r>
+            <a:r>
+              <a:rPr kumimoji="0" lang="en-US" altLang="en-US" sz="2400" b="0" i="1" u="none" strike="noStrike" cap="none" normalizeH="0" baseline="0" dirty="0">
+                <a:ln>
+                  <a:noFill/>
+                </a:ln>
+                <a:solidFill>
+                  <a:srgbClr val="336600"/>
+                </a:solidFill>
+                <a:effectLst/>
+                <a:latin typeface="Courier New" panose="02070309020205020404" pitchFamily="49" charset="0"/>
+                <a:cs typeface="Courier New" panose="02070309020205020404" pitchFamily="49" charset="0"/>
+              </a:rPr>
+              <a:t>False, False, False, True, True</a:t>
+            </a:r>
+            <a:r>
+              <a:rPr lang="en-GB" altLang="en-US" sz="2400" i="1" dirty="0">
+                <a:solidFill>
+                  <a:srgbClr val="336600"/>
+                </a:solidFill>
+                <a:latin typeface="Courier New" panose="02070309020205020404" pitchFamily="49" charset="0"/>
+                <a:cs typeface="Courier New" panose="02070309020205020404" pitchFamily="49" charset="0"/>
+              </a:rPr>
+              <a:t>],</a:t>
+            </a:r>
+          </a:p>
+          <a:p>
+            <a:pPr eaLnBrk="1" hangingPunct="1">
+              <a:lnSpc>
+                <a:spcPct val="103000"/>
+              </a:lnSpc>
+              <a:spcBef>
+                <a:spcPts val="600"/>
+              </a:spcBef>
+              <a:buFontTx/>
+              <a:buNone/>
+              <a:defRPr/>
+            </a:pPr>
+            <a:r>
+              <a:rPr lang="en-GB" altLang="en-US" sz="2400" i="1" dirty="0" err="1">
+                <a:solidFill>
+                  <a:srgbClr val="336600"/>
+                </a:solidFill>
+                <a:latin typeface="Courier New" panose="02070309020205020404" pitchFamily="49" charset="0"/>
+                <a:cs typeface="Courier New" panose="02070309020205020404" pitchFamily="49" charset="0"/>
+              </a:rPr>
+              <a:t>fill_value</a:t>
+            </a:r>
+            <a:r>
+              <a:rPr lang="en-GB" altLang="en-US" sz="2400" i="1" dirty="0">
+                <a:solidFill>
+                  <a:srgbClr val="336600"/>
+                </a:solidFill>
+                <a:latin typeface="Courier New" panose="02070309020205020404" pitchFamily="49" charset="0"/>
+                <a:cs typeface="Courier New" panose="02070309020205020404" pitchFamily="49" charset="0"/>
+              </a:rPr>
+              <a:t> = 999999)</a:t>
+            </a:r>
+            <a:endParaRPr lang="en-GB" altLang="en-US" sz="2400" i="1" dirty="0">
+              <a:latin typeface="+mj-lt"/>
+              <a:cs typeface="Courier New" panose="02070309020205020404" pitchFamily="49" charset="0"/>
+            </a:endParaRPr>
+          </a:p>
+        </p:txBody>
+      </p:sp>
+    </p:spTree>
+  </p:cSld>
+  <p:clrMapOvr>
+    <a:masterClrMapping/>
+  </p:clrMapOvr>
+  <p:transition>
+    <p:cut/>
+  </p:transition>
+</p:sld>
+</file>
+
+<file path=ppt/slides/slide31.xml><?xml version="1.0" encoding="utf-8"?>
+<p:sld xmlns:a="http://schemas.openxmlformats.org/drawingml/2006/main" xmlns:r="http://schemas.openxmlformats.org/officeDocument/2006/relationships" xmlns:p="http://schemas.openxmlformats.org/presentationml/2006/main">
+  <p:cSld>
+    <p:spTree>
+      <p:nvGrpSpPr>
+        <p:cNvPr id="1" name=""/>
+        <p:cNvGrpSpPr/>
+        <p:nvPr/>
+      </p:nvGrpSpPr>
+      <p:grpSpPr>
+        <a:xfrm>
+          <a:off x="0" y="0"/>
+          <a:ext cx="0" cy="0"/>
+          <a:chOff x="0" y="0"/>
+          <a:chExt cx="0" cy="0"/>
+        </a:xfrm>
+      </p:grpSpPr>
+      <p:sp>
+        <p:nvSpPr>
+          <p:cNvPr id="2" name="object 2"/>
+          <p:cNvSpPr txBox="1">
+            <a:spLocks noGrp="1"/>
+          </p:cNvSpPr>
+          <p:nvPr>
+            <p:ph type="title"/>
+          </p:nvPr>
+        </p:nvSpPr>
+        <p:spPr>
+          <a:xfrm>
+            <a:off x="457200" y="569138"/>
+            <a:ext cx="8229600" cy="553998"/>
+          </a:xfrm>
+        </p:spPr>
+        <p:txBody>
+          <a:bodyPr lIns="0" tIns="0" rIns="0" bIns="0" rtlCol="0">
+            <a:spAutoFit/>
+          </a:bodyPr>
+          <a:lstStyle/>
+          <a:p>
+            <a:pPr marL="25179" fontAlgn="auto">
+              <a:spcAft>
+                <a:spcPts val="0"/>
+              </a:spcAft>
+              <a:defRPr/>
+            </a:pPr>
+            <a:r>
+              <a:rPr lang="en-GB" sz="4000" b="1" spc="-109" dirty="0"/>
+              <a:t>Constructing Masked Arrays 4</a:t>
+            </a:r>
+            <a:endParaRPr sz="4000" b="1" spc="-287" dirty="0"/>
+          </a:p>
+        </p:txBody>
+      </p:sp>
+      <p:sp>
+        <p:nvSpPr>
           <p:cNvPr id="5" name="object 5"/>
           <p:cNvSpPr txBox="1"/>
           <p:nvPr/>
         </p:nvSpPr>
         <p:spPr>
           <a:xfrm>
-            <a:off x="842963" y="3467100"/>
+            <a:off x="862268" y="1484784"/>
             <a:ext cx="7507287" cy="862013"/>
           </a:xfrm>
           <a:prstGeom prst="rect">
@@ -17534,7 +17743,7 @@
         </p:nvSpPr>
         <p:spPr>
           <a:xfrm>
-            <a:off x="873125" y="4652963"/>
+            <a:off x="786067" y="2385400"/>
             <a:ext cx="7659688" cy="1108075"/>
           </a:xfrm>
           <a:prstGeom prst="rect">
@@ -17640,7 +17849,371 @@
           </a:p>
         </p:txBody>
       </p:sp>
+      <p:sp>
+        <p:nvSpPr>
+          <p:cNvPr id="7" name="object 3">
+            <a:extLst>
+              <a:ext uri="{FF2B5EF4-FFF2-40B4-BE49-F238E27FC236}">
+                <a16:creationId xmlns:a16="http://schemas.microsoft.com/office/drawing/2014/main" id="{3FD3CEB5-63B4-D54D-BB9F-9C9453169329}"/>
+              </a:ext>
+            </a:extLst>
+          </p:cNvPr>
+          <p:cNvSpPr txBox="1">
+            <a:spLocks noChangeArrowheads="1"/>
+          </p:cNvSpPr>
+          <p:nvPr/>
+        </p:nvSpPr>
+        <p:spPr bwMode="auto">
+          <a:xfrm>
+            <a:off x="786067" y="3789040"/>
+            <a:ext cx="7991475" cy="1752600"/>
+          </a:xfrm>
+          <a:prstGeom prst="rect">
+            <a:avLst/>
+          </a:prstGeom>
+          <a:noFill/>
+          <a:ln>
+            <a:noFill/>
+          </a:ln>
+          <a:extLst>
+            <a:ext uri="{909E8E84-426E-40DD-AFC4-6F175D3DCCD1}">
+              <a14:hiddenFill xmlns:a14="http://schemas.microsoft.com/office/drawing/2010/main">
+                <a:solidFill>
+                  <a:srgbClr val="FFFFFF"/>
+                </a:solidFill>
+              </a14:hiddenFill>
+            </a:ext>
+            <a:ext uri="{91240B29-F687-4F45-9708-019B960494DF}">
+              <a14:hiddenLine xmlns:a14="http://schemas.microsoft.com/office/drawing/2010/main" w="9525">
+                <a:solidFill>
+                  <a:srgbClr val="000000"/>
+                </a:solidFill>
+                <a:miter lim="800000"/>
+                <a:headEnd/>
+                <a:tailEnd/>
+              </a14:hiddenLine>
+            </a:ext>
+          </a:extLst>
+        </p:spPr>
+        <p:txBody>
+          <a:bodyPr lIns="0" tIns="0" rIns="0" bIns="0">
+            <a:spAutoFit/>
+          </a:bodyPr>
+          <a:lstStyle>
+            <a:lvl1pPr marL="317500" indent="-293688" eaLnBrk="0" hangingPunct="0">
+              <a:spcBef>
+                <a:spcPct val="20000"/>
+              </a:spcBef>
+              <a:buFont typeface="Arial" charset="0"/>
+              <a:buChar char="•"/>
+              <a:defRPr sz="3200">
+                <a:solidFill>
+                  <a:schemeClr val="tx1"/>
+                </a:solidFill>
+                <a:latin typeface="Calibri" pitchFamily="34" charset="0"/>
+              </a:defRPr>
+            </a:lvl1pPr>
+            <a:lvl2pPr marL="742950" indent="-285750" eaLnBrk="0" hangingPunct="0">
+              <a:spcBef>
+                <a:spcPct val="20000"/>
+              </a:spcBef>
+              <a:buFont typeface="Arial" charset="0"/>
+              <a:buChar char="–"/>
+              <a:defRPr sz="2800">
+                <a:solidFill>
+                  <a:schemeClr val="tx1"/>
+                </a:solidFill>
+                <a:latin typeface="Calibri" pitchFamily="34" charset="0"/>
+              </a:defRPr>
+            </a:lvl2pPr>
+            <a:lvl3pPr marL="1143000" indent="-228600" eaLnBrk="0" hangingPunct="0">
+              <a:spcBef>
+                <a:spcPct val="20000"/>
+              </a:spcBef>
+              <a:buFont typeface="Arial" charset="0"/>
+              <a:buChar char="•"/>
+              <a:defRPr sz="2400">
+                <a:solidFill>
+                  <a:schemeClr val="tx1"/>
+                </a:solidFill>
+                <a:latin typeface="Calibri" pitchFamily="34" charset="0"/>
+              </a:defRPr>
+            </a:lvl3pPr>
+            <a:lvl4pPr marL="1600200" indent="-228600" eaLnBrk="0" hangingPunct="0">
+              <a:spcBef>
+                <a:spcPct val="20000"/>
+              </a:spcBef>
+              <a:buFont typeface="Arial" charset="0"/>
+              <a:buChar char="–"/>
+              <a:defRPr sz="2000">
+                <a:solidFill>
+                  <a:schemeClr val="tx1"/>
+                </a:solidFill>
+                <a:latin typeface="Calibri" pitchFamily="34" charset="0"/>
+              </a:defRPr>
+            </a:lvl4pPr>
+            <a:lvl5pPr marL="2057400" indent="-228600" eaLnBrk="0" hangingPunct="0">
+              <a:spcBef>
+                <a:spcPct val="20000"/>
+              </a:spcBef>
+              <a:buFont typeface="Arial" charset="0"/>
+              <a:buChar char="»"/>
+              <a:defRPr sz="2000">
+                <a:solidFill>
+                  <a:schemeClr val="tx1"/>
+                </a:solidFill>
+                <a:latin typeface="Calibri" pitchFamily="34" charset="0"/>
+              </a:defRPr>
+            </a:lvl5pPr>
+            <a:lvl6pPr marL="2514600" indent="-228600" eaLnBrk="0" fontAlgn="base" hangingPunct="0">
+              <a:spcBef>
+                <a:spcPct val="20000"/>
+              </a:spcBef>
+              <a:spcAft>
+                <a:spcPct val="0"/>
+              </a:spcAft>
+              <a:buFont typeface="Arial" charset="0"/>
+              <a:buChar char="»"/>
+              <a:defRPr sz="2000">
+                <a:solidFill>
+                  <a:schemeClr val="tx1"/>
+                </a:solidFill>
+                <a:latin typeface="Calibri" pitchFamily="34" charset="0"/>
+              </a:defRPr>
+            </a:lvl6pPr>
+            <a:lvl7pPr marL="2971800" indent="-228600" eaLnBrk="0" fontAlgn="base" hangingPunct="0">
+              <a:spcBef>
+                <a:spcPct val="20000"/>
+              </a:spcBef>
+              <a:spcAft>
+                <a:spcPct val="0"/>
+              </a:spcAft>
+              <a:buFont typeface="Arial" charset="0"/>
+              <a:buChar char="»"/>
+              <a:defRPr sz="2000">
+                <a:solidFill>
+                  <a:schemeClr val="tx1"/>
+                </a:solidFill>
+                <a:latin typeface="Calibri" pitchFamily="34" charset="0"/>
+              </a:defRPr>
+            </a:lvl7pPr>
+            <a:lvl8pPr marL="3429000" indent="-228600" eaLnBrk="0" fontAlgn="base" hangingPunct="0">
+              <a:spcBef>
+                <a:spcPct val="20000"/>
+              </a:spcBef>
+              <a:spcAft>
+                <a:spcPct val="0"/>
+              </a:spcAft>
+              <a:buFont typeface="Arial" charset="0"/>
+              <a:buChar char="»"/>
+              <a:defRPr sz="2000">
+                <a:solidFill>
+                  <a:schemeClr val="tx1"/>
+                </a:solidFill>
+                <a:latin typeface="Calibri" pitchFamily="34" charset="0"/>
+              </a:defRPr>
+            </a:lvl8pPr>
+            <a:lvl9pPr marL="3886200" indent="-228600" eaLnBrk="0" fontAlgn="base" hangingPunct="0">
+              <a:spcBef>
+                <a:spcPct val="20000"/>
+              </a:spcBef>
+              <a:spcAft>
+                <a:spcPct val="0"/>
+              </a:spcAft>
+              <a:buFont typeface="Arial" charset="0"/>
+              <a:buChar char="»"/>
+              <a:defRPr sz="2000">
+                <a:solidFill>
+                  <a:schemeClr val="tx1"/>
+                </a:solidFill>
+                <a:latin typeface="Calibri" pitchFamily="34" charset="0"/>
+              </a:defRPr>
+            </a:lvl9pPr>
+          </a:lstStyle>
+          <a:p>
+            <a:pPr eaLnBrk="1" hangingPunct="1">
+              <a:lnSpc>
+                <a:spcPct val="103000"/>
+              </a:lnSpc>
+              <a:spcBef>
+                <a:spcPts val="600"/>
+              </a:spcBef>
+              <a:buFontTx/>
+              <a:buNone/>
+              <a:defRPr/>
+            </a:pPr>
+            <a:r>
+              <a:rPr lang="en-GB" altLang="en-US" sz="2400" b="1" dirty="0">
+                <a:latin typeface="Courier New" panose="02070309020205020404" pitchFamily="49" charset="0"/>
+                <a:cs typeface="Courier New" panose="02070309020205020404" pitchFamily="49" charset="0"/>
+              </a:rPr>
+              <a:t>&gt;&gt;&gt; </a:t>
+            </a:r>
+            <a:r>
+              <a:rPr lang="en-GB" altLang="en-US" sz="2400" dirty="0">
+                <a:latin typeface="Courier New" panose="02070309020205020404" pitchFamily="49" charset="0"/>
+                <a:cs typeface="Courier New" panose="02070309020205020404" pitchFamily="49" charset="0"/>
+              </a:rPr>
+              <a:t>c</a:t>
+            </a:r>
+          </a:p>
+          <a:p>
+            <a:pPr eaLnBrk="1" hangingPunct="1">
+              <a:lnSpc>
+                <a:spcPct val="103000"/>
+              </a:lnSpc>
+              <a:spcBef>
+                <a:spcPts val="600"/>
+              </a:spcBef>
+              <a:buFontTx/>
+              <a:buNone/>
+              <a:defRPr/>
+            </a:pPr>
+            <a:r>
+              <a:rPr lang="en-GB" altLang="en-US" sz="2400" i="1" dirty="0" err="1">
+                <a:solidFill>
+                  <a:srgbClr val="336600"/>
+                </a:solidFill>
+                <a:latin typeface="Courier New" panose="02070309020205020404" pitchFamily="49" charset="0"/>
+                <a:cs typeface="Courier New" panose="02070309020205020404" pitchFamily="49" charset="0"/>
+              </a:rPr>
+              <a:t>masked_array</a:t>
+            </a:r>
+            <a:r>
+              <a:rPr lang="en-GB" altLang="en-US" sz="2400" i="1" dirty="0">
+                <a:solidFill>
+                  <a:srgbClr val="336600"/>
+                </a:solidFill>
+                <a:latin typeface="Courier New" panose="02070309020205020404" pitchFamily="49" charset="0"/>
+                <a:cs typeface="Courier New" panose="02070309020205020404" pitchFamily="49" charset="0"/>
+              </a:rPr>
+              <a:t>(data = [</a:t>
+            </a:r>
+            <a:r>
+              <a:rPr kumimoji="0" lang="en-US" altLang="en-US" sz="2400" b="0" i="1" u="none" strike="noStrike" cap="none" normalizeH="0" baseline="0" dirty="0">
+                <a:ln>
+                  <a:noFill/>
+                </a:ln>
+                <a:solidFill>
+                  <a:srgbClr val="336600"/>
+                </a:solidFill>
+                <a:effectLst/>
+                <a:latin typeface="Courier New" panose="02070309020205020404" pitchFamily="49" charset="0"/>
+                <a:cs typeface="Courier New" panose="02070309020205020404" pitchFamily="49" charset="0"/>
+              </a:rPr>
+              <a:t>1, 2, --, --, 5</a:t>
+            </a:r>
+            <a:r>
+              <a:rPr lang="en-GB" altLang="en-US" sz="2400" i="1" dirty="0">
+                <a:solidFill>
+                  <a:srgbClr val="336600"/>
+                </a:solidFill>
+                <a:latin typeface="Courier New" panose="02070309020205020404" pitchFamily="49" charset="0"/>
+                <a:cs typeface="Courier New" panose="02070309020205020404" pitchFamily="49" charset="0"/>
+              </a:rPr>
+              <a:t>],</a:t>
+            </a:r>
+          </a:p>
+          <a:p>
+            <a:pPr eaLnBrk="1" hangingPunct="1">
+              <a:lnSpc>
+                <a:spcPct val="103000"/>
+              </a:lnSpc>
+              <a:spcBef>
+                <a:spcPts val="600"/>
+              </a:spcBef>
+              <a:buFontTx/>
+              <a:buNone/>
+              <a:defRPr/>
+            </a:pPr>
+            <a:r>
+              <a:rPr lang="en-GB" altLang="en-US" sz="2400" i="1" dirty="0">
+                <a:solidFill>
+                  <a:srgbClr val="336600"/>
+                </a:solidFill>
+                <a:latin typeface="Courier New" panose="02070309020205020404" pitchFamily="49" charset="0"/>
+                <a:cs typeface="Courier New" panose="02070309020205020404" pitchFamily="49" charset="0"/>
+              </a:rPr>
+              <a:t>mask = [</a:t>
+            </a:r>
+            <a:r>
+              <a:rPr kumimoji="0" lang="en-US" altLang="en-US" sz="2400" b="0" i="1" u="none" strike="noStrike" cap="none" normalizeH="0" baseline="0" dirty="0">
+                <a:ln>
+                  <a:noFill/>
+                </a:ln>
+                <a:solidFill>
+                  <a:srgbClr val="336600"/>
+                </a:solidFill>
+                <a:effectLst/>
+                <a:latin typeface="Courier New" panose="02070309020205020404" pitchFamily="49" charset="0"/>
+                <a:cs typeface="Courier New" panose="02070309020205020404" pitchFamily="49" charset="0"/>
+              </a:rPr>
+              <a:t>False, False, True, True, False</a:t>
+            </a:r>
+            <a:r>
+              <a:rPr lang="en-GB" altLang="en-US" sz="2400" i="1" dirty="0">
+                <a:solidFill>
+                  <a:srgbClr val="336600"/>
+                </a:solidFill>
+                <a:latin typeface="Courier New" panose="02070309020205020404" pitchFamily="49" charset="0"/>
+                <a:cs typeface="Courier New" panose="02070309020205020404" pitchFamily="49" charset="0"/>
+              </a:rPr>
+              <a:t>],</a:t>
+            </a:r>
+          </a:p>
+          <a:p>
+            <a:pPr eaLnBrk="1" hangingPunct="1">
+              <a:lnSpc>
+                <a:spcPct val="103000"/>
+              </a:lnSpc>
+              <a:spcBef>
+                <a:spcPts val="600"/>
+              </a:spcBef>
+              <a:buFontTx/>
+              <a:buNone/>
+              <a:defRPr/>
+            </a:pPr>
+            <a:r>
+              <a:rPr lang="en-GB" altLang="en-US" sz="2400" i="1" dirty="0" err="1">
+                <a:solidFill>
+                  <a:srgbClr val="336600"/>
+                </a:solidFill>
+                <a:latin typeface="Courier New" panose="02070309020205020404" pitchFamily="49" charset="0"/>
+                <a:cs typeface="Courier New" panose="02070309020205020404" pitchFamily="49" charset="0"/>
+              </a:rPr>
+              <a:t>fill_value</a:t>
+            </a:r>
+            <a:r>
+              <a:rPr lang="en-GB" altLang="en-US" sz="2400" i="1" dirty="0">
+                <a:solidFill>
+                  <a:srgbClr val="336600"/>
+                </a:solidFill>
+                <a:latin typeface="Courier New" panose="02070309020205020404" pitchFamily="49" charset="0"/>
+                <a:cs typeface="Courier New" panose="02070309020205020404" pitchFamily="49" charset="0"/>
+              </a:rPr>
+              <a:t> = 999999)</a:t>
+            </a:r>
+            <a:r>
+              <a:rPr lang="en-GB" altLang="en-US" sz="2400" dirty="0">
+                <a:latin typeface="Courier New" panose="02070309020205020404" pitchFamily="49" charset="0"/>
+                <a:cs typeface="Courier New" panose="02070309020205020404" pitchFamily="49" charset="0"/>
+                <a:sym typeface="Wingdings" panose="05000000000000000000" pitchFamily="2" charset="2"/>
+              </a:rPr>
+              <a:t> </a:t>
+            </a:r>
+            <a:endParaRPr lang="en-GB" altLang="en-US" sz="2400" i="1" dirty="0">
+              <a:latin typeface="+mj-lt"/>
+              <a:cs typeface="Courier New" panose="02070309020205020404" pitchFamily="49" charset="0"/>
+            </a:endParaRPr>
+          </a:p>
+        </p:txBody>
+      </p:sp>
     </p:spTree>
+    <p:extLst>
+      <p:ext uri="{BB962C8B-B14F-4D97-AF65-F5344CB8AC3E}">
+        <p14:creationId xmlns:p14="http://schemas.microsoft.com/office/powerpoint/2010/main" val="4030136059"/>
+      </p:ext>
+    </p:extLst>
   </p:cSld>
   <p:clrMapOvr>
     <a:masterClrMapping/>
@@ -17648,17 +18221,10 @@
   <p:transition>
     <p:cut/>
   </p:transition>
-  <p:timing>
-    <p:tnLst>
-      <p:par>
-        <p:cTn id="1" dur="indefinite" restart="never" nodeType="tmRoot"/>
-      </p:par>
-    </p:tnLst>
-  </p:timing>
 </p:sld>
 </file>
 
-<file path=ppt/slides/slide31.xml><?xml version="1.0" encoding="utf-8"?>
+<file path=ppt/slides/slide32.xml><?xml version="1.0" encoding="utf-8"?>
 <p:sld xmlns:a="http://schemas.openxmlformats.org/drawingml/2006/main" xmlns:r="http://schemas.openxmlformats.org/officeDocument/2006/relationships" xmlns:p="http://schemas.openxmlformats.org/presentationml/2006/main">
   <p:cSld>
     <p:spTree>
@@ -18574,17 +19140,10 @@
   <p:transition>
     <p:cut/>
   </p:transition>
-  <p:timing>
-    <p:tnLst>
-      <p:par>
-        <p:cTn id="1" dur="indefinite" restart="never" nodeType="tmRoot"/>
-      </p:par>
-    </p:tnLst>
-  </p:timing>
 </p:sld>
 </file>
 
-<file path=ppt/slides/slide32.xml><?xml version="1.0" encoding="utf-8"?>
+<file path=ppt/slides/slide33.xml><?xml version="1.0" encoding="utf-8"?>
 <p:sld xmlns:a="http://schemas.openxmlformats.org/drawingml/2006/main" xmlns:r="http://schemas.openxmlformats.org/officeDocument/2006/relationships" xmlns:p="http://schemas.openxmlformats.org/presentationml/2006/main">
   <p:cSld>
     <p:spTree>
@@ -19505,17 +20064,10 @@
   <p:transition>
     <p:cut/>
   </p:transition>
-  <p:timing>
-    <p:tnLst>
-      <p:par>
-        <p:cTn id="1" dur="indefinite" restart="never" nodeType="tmRoot"/>
-      </p:par>
-    </p:tnLst>
-  </p:timing>
 </p:sld>
 </file>
 
-<file path=ppt/slides/slide33.xml><?xml version="1.0" encoding="utf-8"?>
+<file path=ppt/slides/slide34.xml><?xml version="1.0" encoding="utf-8"?>
 <p:sld xmlns:a="http://schemas.openxmlformats.org/drawingml/2006/main" xmlns:r="http://schemas.openxmlformats.org/officeDocument/2006/relationships" xmlns:p="http://schemas.openxmlformats.org/presentationml/2006/main">
   <p:cSld>
     <p:spTree>
@@ -19677,13 +20229,6 @@
   <p:transition>
     <p:cut/>
   </p:transition>
-  <p:timing>
-    <p:tnLst>
-      <p:par>
-        <p:cTn id="1" dur="indefinite" restart="never" nodeType="tmRoot"/>
-      </p:par>
-    </p:tnLst>
-  </p:timing>
 </p:sld>
 </file>
 
@@ -20265,13 +20810,6 @@
   <p:transition>
     <p:cut/>
   </p:transition>
-  <p:timing>
-    <p:tnLst>
-      <p:par>
-        <p:cTn id="1" dur="indefinite" restart="never" nodeType="tmRoot"/>
-      </p:par>
-    </p:tnLst>
-  </p:timing>
 </p:sld>
 </file>
 
@@ -20390,7 +20928,7 @@
               <a:defRPr/>
             </a:pPr>
             <a:r>
-              <a:rPr lang="pt-BR" dirty="0" smtClean="0">
+              <a:rPr lang="pt-BR" dirty="0">
                 <a:latin typeface="Courier New" panose="02070309020205020404" pitchFamily="49" charset="0"/>
                 <a:cs typeface="Courier New" panose="02070309020205020404" pitchFamily="49" charset="0"/>
               </a:rPr>
@@ -20407,25 +20945,11 @@
               <a:defRPr/>
             </a:pPr>
             <a:r>
-              <a:rPr lang="pt-BR" dirty="0" smtClean="0">
-                <a:latin typeface="Courier New" panose="02070309020205020404" pitchFamily="49" charset="0"/>
-                <a:cs typeface="Courier New" panose="02070309020205020404" pitchFamily="49" charset="0"/>
-              </a:rPr>
-              <a:t>             </a:t>
-            </a:r>
-            <a:r>
-              <a:rPr lang="pt-BR" dirty="0" smtClean="0">
-                <a:latin typeface="Courier New" panose="02070309020205020404" pitchFamily="49" charset="0"/>
-                <a:cs typeface="Courier New" panose="02070309020205020404" pitchFamily="49" charset="0"/>
-              </a:rPr>
-              <a:t>dtype=np.int32</a:t>
-            </a:r>
-            <a:r>
-              <a:rPr lang="pt-BR" dirty="0" smtClean="0">
-                <a:latin typeface="Courier New" panose="02070309020205020404" pitchFamily="49" charset="0"/>
-                <a:cs typeface="Courier New" panose="02070309020205020404" pitchFamily="49" charset="0"/>
-              </a:rPr>
-              <a:t>)</a:t>
+              <a:rPr lang="pt-BR" dirty="0">
+                <a:latin typeface="Courier New" panose="02070309020205020404" pitchFamily="49" charset="0"/>
+                <a:cs typeface="Courier New" panose="02070309020205020404" pitchFamily="49" charset="0"/>
+              </a:rPr>
+              <a:t>             dtype=np.int32)</a:t>
             </a:r>
           </a:p>
         </p:txBody>
@@ -20438,13 +20962,6 @@
   <p:transition>
     <p:cut/>
   </p:transition>
-  <p:timing>
-    <p:tnLst>
-      <p:par>
-        <p:cTn id="1" dur="indefinite" restart="never" nodeType="tmRoot"/>
-      </p:par>
-    </p:tnLst>
-  </p:timing>
 </p:sld>
 </file>
 
@@ -20948,13 +21465,6 @@
   <p:transition>
     <p:cut/>
   </p:transition>
-  <p:timing>
-    <p:tnLst>
-      <p:par>
-        <p:cTn id="1" dur="indefinite" restart="never" nodeType="tmRoot"/>
-      </p:par>
-    </p:tnLst>
-  </p:timing>
 </p:sld>
 </file>
 
@@ -21642,56 +22152,56 @@
               <a:t> </a:t>
             </a:r>
             <a:r>
-              <a:rPr lang="en-GB" sz="3200" spc="40" dirty="0" smtClean="0">
+              <a:rPr lang="en-GB" sz="3200" spc="40" dirty="0">
                 <a:latin typeface="+mn-lt"/>
                 <a:cs typeface="Calibri" panose="020F0502020204030204" pitchFamily="34" charset="0"/>
               </a:rPr>
               <a:t>1-D </a:t>
             </a:r>
             <a:r>
-              <a:rPr sz="3200" spc="-178" dirty="0" smtClean="0">
+              <a:rPr sz="3200" spc="-178" dirty="0">
                 <a:latin typeface="+mn-lt"/>
                 <a:cs typeface="Calibri" panose="020F0502020204030204" pitchFamily="34" charset="0"/>
               </a:rPr>
               <a:t>a</a:t>
             </a:r>
             <a:r>
-              <a:rPr sz="3200" spc="-69" dirty="0" smtClean="0">
+              <a:rPr sz="3200" spc="-69" dirty="0">
                 <a:latin typeface="+mn-lt"/>
                 <a:cs typeface="Calibri" panose="020F0502020204030204" pitchFamily="34" charset="0"/>
               </a:rPr>
               <a:t>rr</a:t>
             </a:r>
             <a:r>
-              <a:rPr sz="3200" spc="-159" dirty="0" smtClean="0">
+              <a:rPr sz="3200" spc="-159" dirty="0">
                 <a:latin typeface="+mn-lt"/>
                 <a:cs typeface="Calibri" panose="020F0502020204030204" pitchFamily="34" charset="0"/>
               </a:rPr>
               <a:t>a</a:t>
             </a:r>
             <a:r>
-              <a:rPr sz="3200" spc="-99" dirty="0" smtClean="0">
+              <a:rPr sz="3200" spc="-99" dirty="0">
                 <a:latin typeface="+mn-lt"/>
                 <a:cs typeface="Calibri" panose="020F0502020204030204" pitchFamily="34" charset="0"/>
               </a:rPr>
               <a:t>y</a:t>
             </a:r>
             <a:r>
-              <a:rPr sz="3200" spc="30" dirty="0" smtClean="0">
+              <a:rPr sz="3200" spc="30" dirty="0">
                 <a:latin typeface="+mn-lt"/>
                 <a:cs typeface="Calibri" panose="020F0502020204030204" pitchFamily="34" charset="0"/>
               </a:rPr>
               <a:t> </a:t>
             </a:r>
             <a:r>
-              <a:rPr lang="en-GB" sz="3200" spc="-89" dirty="0" smtClean="0">
+              <a:rPr lang="en-GB" sz="3200" spc="-89" dirty="0">
                 <a:latin typeface="+mn-lt"/>
                 <a:cs typeface="Calibri" panose="020F0502020204030204" pitchFamily="34" charset="0"/>
               </a:rPr>
               <a:t>similar to</a:t>
             </a:r>
             <a:r>
-              <a:rPr sz="3200" spc="30" dirty="0" smtClean="0">
+              <a:rPr sz="3200" spc="30" dirty="0">
                 <a:latin typeface="+mn-lt"/>
                 <a:cs typeface="Calibri" panose="020F0502020204030204" pitchFamily="34" charset="0"/>
               </a:rPr>
@@ -22061,13 +22571,6 @@
   <p:transition>
     <p:cut/>
   </p:transition>
-  <p:timing>
-    <p:tnLst>
-      <p:par>
-        <p:cTn id="1" dur="indefinite" restart="never" nodeType="tmRoot"/>
-      </p:par>
-    </p:tnLst>
-  </p:timing>
 </p:sld>
 </file>
 
@@ -22448,13 +22951,6 @@
   <p:transition>
     <p:cut/>
   </p:transition>
-  <p:timing>
-    <p:tnLst>
-      <p:par>
-        <p:cTn id="1" dur="indefinite" restart="never" nodeType="tmRoot"/>
-      </p:par>
-    </p:tnLst>
-  </p:timing>
 </p:sld>
 </file>
 
